--- a/Junction 2020_EN.pptx
+++ b/Junction 2020_EN.pptx
@@ -10112,13 +10112,13 @@
   <p:clrMapOvr>
     <a:masterClrMapping/>
   </p:clrMapOvr>
-  <mc:AlternateContent xmlns:mc="http://schemas.openxmlformats.org/markup-compatibility/2006">
-    <mc:Choice xmlns:p159="http://schemas.microsoft.com/office/powerpoint/2015/09/main" Requires="p159">
+  <mc:AlternateContent xmlns:mc="http://schemas.openxmlformats.org/markup-compatibility/2006" xmlns:p159="http://schemas.microsoft.com/office/powerpoint/2015/09/main">
+    <mc:Choice Requires="p159">
       <p:transition xmlns:p14="http://schemas.microsoft.com/office/powerpoint/2010/main" spd="slow" p14:dur="2000">
         <p159:morph option="byObject"/>
       </p:transition>
     </mc:Choice>
-    <mc:Fallback>
+    <mc:Fallback xmlns="">
       <p:transition spd="slow">
         <p:fade/>
       </p:transition>
@@ -10444,13 +10444,13 @@
   <p:clrMapOvr>
     <a:masterClrMapping/>
   </p:clrMapOvr>
-  <mc:AlternateContent xmlns:mc="http://schemas.openxmlformats.org/markup-compatibility/2006">
-    <mc:Choice xmlns:p159="http://schemas.microsoft.com/office/powerpoint/2015/09/main" Requires="p159">
+  <mc:AlternateContent xmlns:mc="http://schemas.openxmlformats.org/markup-compatibility/2006" xmlns:p159="http://schemas.microsoft.com/office/powerpoint/2015/09/main">
+    <mc:Choice Requires="p159">
       <p:transition xmlns:p14="http://schemas.microsoft.com/office/powerpoint/2010/main" spd="slow" p14:dur="2000">
         <p159:morph option="byObject"/>
       </p:transition>
     </mc:Choice>
-    <mc:Fallback>
+    <mc:Fallback xmlns="">
       <p:transition spd="slow">
         <p:fade/>
       </p:transition>
@@ -10684,7 +10684,7 @@
         </p:blipFill>
         <p:spPr>
           <a:xfrm>
-            <a:off x="-68802" y="-169186"/>
+            <a:off x="-64" y="0"/>
             <a:ext cx="12192000" cy="6858000"/>
           </a:xfrm>
           <a:prstGeom prst="rect">
@@ -10851,7 +10851,7 @@
           <a:lstStyle/>
           <a:p>
             <a:r>
-              <a:rPr lang="en-US" altLang="zh-CN" sz="1600" dirty="0">
+              <a:rPr lang="en-US" altLang="zh-CN" sz="1600" b="1" dirty="0">
                 <a:solidFill>
                   <a:srgbClr val="297FB8"/>
                 </a:solidFill>
@@ -10891,7 +10891,7 @@
           <a:lstStyle/>
           <a:p>
             <a:r>
-              <a:rPr lang="en-US" altLang="zh-CN" sz="1600" dirty="0">
+              <a:rPr lang="en-US" altLang="zh-CN" sz="1600" b="1" dirty="0">
                 <a:solidFill>
                   <a:srgbClr val="297FB8"/>
                 </a:solidFill>
@@ -11131,13 +11131,13 @@
   <p:clrMapOvr>
     <a:masterClrMapping/>
   </p:clrMapOvr>
-  <mc:AlternateContent xmlns:mc="http://schemas.openxmlformats.org/markup-compatibility/2006">
-    <mc:Choice xmlns:p159="http://schemas.microsoft.com/office/powerpoint/2015/09/main" Requires="p159">
+  <mc:AlternateContent xmlns:mc="http://schemas.openxmlformats.org/markup-compatibility/2006" xmlns:p159="http://schemas.microsoft.com/office/powerpoint/2015/09/main">
+    <mc:Choice Requires="p159">
       <p:transition xmlns:p14="http://schemas.microsoft.com/office/powerpoint/2010/main" spd="slow" p14:dur="2000">
         <p159:morph option="byObject"/>
       </p:transition>
     </mc:Choice>
-    <mc:Fallback>
+    <mc:Fallback xmlns="">
       <p:transition spd="slow">
         <p:fade/>
       </p:transition>
@@ -11393,13 +11393,13 @@
   <p:clrMapOvr>
     <a:masterClrMapping/>
   </p:clrMapOvr>
-  <mc:AlternateContent xmlns:mc="http://schemas.openxmlformats.org/markup-compatibility/2006">
-    <mc:Choice xmlns:p159="http://schemas.microsoft.com/office/powerpoint/2015/09/main" Requires="p159">
+  <mc:AlternateContent xmlns:mc="http://schemas.openxmlformats.org/markup-compatibility/2006" xmlns:p159="http://schemas.microsoft.com/office/powerpoint/2015/09/main">
+    <mc:Choice Requires="p159">
       <p:transition xmlns:p14="http://schemas.microsoft.com/office/powerpoint/2010/main" spd="slow" p14:dur="2000">
         <p159:morph option="byObject"/>
       </p:transition>
     </mc:Choice>
-    <mc:Fallback>
+    <mc:Fallback xmlns="">
       <p:transition spd="slow">
         <p:fade/>
       </p:transition>
@@ -11711,13 +11711,13 @@
   <p:clrMapOvr>
     <a:masterClrMapping/>
   </p:clrMapOvr>
-  <mc:AlternateContent xmlns:mc="http://schemas.openxmlformats.org/markup-compatibility/2006">
-    <mc:Choice xmlns:p159="http://schemas.microsoft.com/office/powerpoint/2015/09/main" Requires="p159">
+  <mc:AlternateContent xmlns:mc="http://schemas.openxmlformats.org/markup-compatibility/2006" xmlns:p159="http://schemas.microsoft.com/office/powerpoint/2015/09/main">
+    <mc:Choice Requires="p159">
       <p:transition xmlns:p14="http://schemas.microsoft.com/office/powerpoint/2010/main" spd="slow" p14:dur="2000">
         <p159:morph option="byObject"/>
       </p:transition>
     </mc:Choice>
-    <mc:Fallback>
+    <mc:Fallback xmlns="">
       <p:transition spd="slow">
         <p:fade/>
       </p:transition>
@@ -12171,13 +12171,13 @@
   <p:clrMapOvr>
     <a:masterClrMapping/>
   </p:clrMapOvr>
-  <mc:AlternateContent xmlns:mc="http://schemas.openxmlformats.org/markup-compatibility/2006">
-    <mc:Choice xmlns:p159="http://schemas.microsoft.com/office/powerpoint/2015/09/main" Requires="p159">
+  <mc:AlternateContent xmlns:mc="http://schemas.openxmlformats.org/markup-compatibility/2006" xmlns:p159="http://schemas.microsoft.com/office/powerpoint/2015/09/main">
+    <mc:Choice Requires="p159">
       <p:transition xmlns:p14="http://schemas.microsoft.com/office/powerpoint/2010/main" spd="slow" p14:dur="2000">
         <p159:morph option="byObject"/>
       </p:transition>
     </mc:Choice>
-    <mc:Fallback>
+    <mc:Fallback xmlns="">
       <p:transition spd="slow">
         <p:fade/>
       </p:transition>
@@ -12551,9 +12551,9 @@
           <a:lstStyle/>
           <a:p>
             <a:r>
-              <a:rPr lang="zh-CN" sz="1600" b="1">
+              <a:rPr lang="zh-CN" sz="1600" b="1" dirty="0">
                 <a:solidFill>
-                  <a:srgbClr val="FF0000"/>
+                  <a:srgbClr val="297FB8"/>
                 </a:solidFill>
                 <a:latin typeface="-apple-system"/>
                 <a:ea typeface="Microsoft JhengHei" panose="020B0604030504040204" charset="-120"/>
@@ -12586,9 +12586,9 @@
           <a:lstStyle/>
           <a:p>
             <a:r>
-              <a:rPr lang="zh-CN" sz="1600" b="1">
+              <a:rPr lang="zh-CN" sz="1600" b="1" dirty="0">
                 <a:solidFill>
-                  <a:srgbClr val="FF0000"/>
+                  <a:srgbClr val="297FB8"/>
                 </a:solidFill>
                 <a:latin typeface="-apple-system"/>
                 <a:ea typeface="Microsoft JhengHei" panose="020B0604030504040204" charset="-120"/>
@@ -12816,13 +12816,13 @@
   <p:clrMapOvr>
     <a:masterClrMapping/>
   </p:clrMapOvr>
-  <mc:AlternateContent xmlns:mc="http://schemas.openxmlformats.org/markup-compatibility/2006">
-    <mc:Choice xmlns:p159="http://schemas.microsoft.com/office/powerpoint/2015/09/main" Requires="p159">
+  <mc:AlternateContent xmlns:mc="http://schemas.openxmlformats.org/markup-compatibility/2006" xmlns:p159="http://schemas.microsoft.com/office/powerpoint/2015/09/main">
+    <mc:Choice Requires="p159">
       <p:transition xmlns:p14="http://schemas.microsoft.com/office/powerpoint/2010/main" spd="slow" p14:dur="2000">
         <p159:morph option="byObject"/>
       </p:transition>
     </mc:Choice>
-    <mc:Fallback>
+    <mc:Fallback xmlns="">
       <p:transition spd="slow">
         <p:fade/>
       </p:transition>
@@ -13098,13 +13098,13 @@
   <p:clrMapOvr>
     <a:masterClrMapping/>
   </p:clrMapOvr>
-  <mc:AlternateContent xmlns:mc="http://schemas.openxmlformats.org/markup-compatibility/2006">
-    <mc:Choice xmlns:p159="http://schemas.microsoft.com/office/powerpoint/2015/09/main" Requires="p159">
+  <mc:AlternateContent xmlns:mc="http://schemas.openxmlformats.org/markup-compatibility/2006" xmlns:p159="http://schemas.microsoft.com/office/powerpoint/2015/09/main">
+    <mc:Choice Requires="p159">
       <p:transition xmlns:p14="http://schemas.microsoft.com/office/powerpoint/2010/main" spd="slow" p14:dur="2000">
         <p159:morph option="byObject"/>
       </p:transition>
     </mc:Choice>
-    <mc:Fallback>
+    <mc:Fallback xmlns="">
       <p:transition spd="slow">
         <p:fade/>
       </p:transition>
@@ -20992,13 +20992,13 @@
   <p:clrMapOvr>
     <a:masterClrMapping/>
   </p:clrMapOvr>
-  <mc:AlternateContent xmlns:mc="http://schemas.openxmlformats.org/markup-compatibility/2006">
-    <mc:Choice xmlns:p159="http://schemas.microsoft.com/office/powerpoint/2015/09/main" Requires="p159">
+  <mc:AlternateContent xmlns:mc="http://schemas.openxmlformats.org/markup-compatibility/2006" xmlns:p159="http://schemas.microsoft.com/office/powerpoint/2015/09/main">
+    <mc:Choice Requires="p159">
       <p:transition xmlns:p14="http://schemas.microsoft.com/office/powerpoint/2010/main" spd="slow" p14:dur="2000">
         <p159:morph option="byObject"/>
       </p:transition>
     </mc:Choice>
-    <mc:Fallback>
+    <mc:Fallback xmlns="">
       <p:transition spd="slow">
         <p:fade/>
       </p:transition>
@@ -21607,13 +21607,13 @@
   <p:clrMapOvr>
     <a:masterClrMapping/>
   </p:clrMapOvr>
-  <mc:AlternateContent xmlns:mc="http://schemas.openxmlformats.org/markup-compatibility/2006">
-    <mc:Choice xmlns:p159="http://schemas.microsoft.com/office/powerpoint/2015/09/main" Requires="p159">
+  <mc:AlternateContent xmlns:mc="http://schemas.openxmlformats.org/markup-compatibility/2006" xmlns:p159="http://schemas.microsoft.com/office/powerpoint/2015/09/main">
+    <mc:Choice Requires="p159">
       <p:transition xmlns:p14="http://schemas.microsoft.com/office/powerpoint/2010/main" spd="slow" p14:dur="2000">
         <p159:morph option="byObject"/>
       </p:transition>
     </mc:Choice>
-    <mc:Fallback>
+    <mc:Fallback xmlns="">
       <p:transition spd="slow">
         <p:fade/>
       </p:transition>
@@ -21918,13 +21918,13 @@
   <p:clrMapOvr>
     <a:masterClrMapping/>
   </p:clrMapOvr>
-  <mc:AlternateContent xmlns:mc="http://schemas.openxmlformats.org/markup-compatibility/2006">
-    <mc:Choice xmlns:p159="http://schemas.microsoft.com/office/powerpoint/2015/09/main" Requires="p159">
+  <mc:AlternateContent xmlns:mc="http://schemas.openxmlformats.org/markup-compatibility/2006" xmlns:p159="http://schemas.microsoft.com/office/powerpoint/2015/09/main">
+    <mc:Choice Requires="p159">
       <p:transition xmlns:p14="http://schemas.microsoft.com/office/powerpoint/2010/main" spd="slow" p14:dur="2000">
         <p159:morph option="byObject"/>
       </p:transition>
     </mc:Choice>
-    <mc:Fallback>
+    <mc:Fallback xmlns="">
       <p:transition spd="slow">
         <p:fade/>
       </p:transition>
@@ -22613,13 +22613,13 @@
   <p:clrMapOvr>
     <a:masterClrMapping/>
   </p:clrMapOvr>
-  <mc:AlternateContent xmlns:mc="http://schemas.openxmlformats.org/markup-compatibility/2006">
-    <mc:Choice xmlns:p159="http://schemas.microsoft.com/office/powerpoint/2015/09/main" Requires="p159">
+  <mc:AlternateContent xmlns:mc="http://schemas.openxmlformats.org/markup-compatibility/2006" xmlns:p159="http://schemas.microsoft.com/office/powerpoint/2015/09/main">
+    <mc:Choice Requires="p159">
       <p:transition xmlns:p14="http://schemas.microsoft.com/office/powerpoint/2010/main" spd="slow" p14:dur="2000">
         <p159:morph option="byObject"/>
       </p:transition>
     </mc:Choice>
-    <mc:Fallback>
+    <mc:Fallback xmlns="">
       <p:transition spd="slow">
         <p:fade/>
       </p:transition>
